--- a/ppt 16-9/0273.审判大日.pptx
+++ b/ppt 16-9/0273.审判大日.pptx
@@ -129,7 +129,7 @@
           <p:cNvPr id="2" name="标题 1">
             <a:extLst>
               <a:ext uri="{FF2B5EF4-FFF2-40B4-BE49-F238E27FC236}">
-                <a16:creationId xmlns:a16="http://schemas.microsoft.com/office/drawing/2014/main" id="{51A6FBFE-28AD-0121-00F2-7A09519B0981}"/>
+                <a16:creationId xmlns:a16="http://schemas.microsoft.com/office/drawing/2014/main" id="{F9779F43-6921-01E5-BDB7-5D692D703A0E}"/>
               </a:ext>
             </a:extLst>
           </p:cNvPr>
@@ -166,7 +166,7 @@
           <p:cNvPr id="3" name="副标题 2">
             <a:extLst>
               <a:ext uri="{FF2B5EF4-FFF2-40B4-BE49-F238E27FC236}">
-                <a16:creationId xmlns:a16="http://schemas.microsoft.com/office/drawing/2014/main" id="{A806D611-713F-B704-1060-BFC8CE6874C7}"/>
+                <a16:creationId xmlns:a16="http://schemas.microsoft.com/office/drawing/2014/main" id="{AEF5CD97-B2AC-B230-E7E6-198E658985D7}"/>
               </a:ext>
             </a:extLst>
           </p:cNvPr>
@@ -236,7 +236,7 @@
           <p:cNvPr id="4" name="日期占位符 3">
             <a:extLst>
               <a:ext uri="{FF2B5EF4-FFF2-40B4-BE49-F238E27FC236}">
-                <a16:creationId xmlns:a16="http://schemas.microsoft.com/office/drawing/2014/main" id="{F94CD1EC-8EC8-DB37-92A1-BD5F12D611F7}"/>
+                <a16:creationId xmlns:a16="http://schemas.microsoft.com/office/drawing/2014/main" id="{D1DAE862-5DD5-82B9-3300-07601196B9F8}"/>
               </a:ext>
             </a:extLst>
           </p:cNvPr>
@@ -252,7 +252,7 @@
           <a:bodyPr/>
           <a:lstStyle/>
           <a:p>
-            <a:fld id="{CE2E5381-F331-4AA8-A767-F1D28473C575}" type="datetimeFigureOut">
+            <a:fld id="{81E5DD6E-2B3D-49F9-8725-0272E2E26262}" type="datetimeFigureOut">
               <a:rPr lang="zh-CN" altLang="en-US" smtClean="0"/>
               <a:t>2024/3/10</a:t>
             </a:fld>
@@ -265,7 +265,7 @@
           <p:cNvPr id="5" name="页脚占位符 4">
             <a:extLst>
               <a:ext uri="{FF2B5EF4-FFF2-40B4-BE49-F238E27FC236}">
-                <a16:creationId xmlns:a16="http://schemas.microsoft.com/office/drawing/2014/main" id="{39F216FE-6DBA-367D-09EC-137A6D544817}"/>
+                <a16:creationId xmlns:a16="http://schemas.microsoft.com/office/drawing/2014/main" id="{B6FFFF5B-E78C-020C-3987-28F57B6DD829}"/>
               </a:ext>
             </a:extLst>
           </p:cNvPr>
@@ -290,7 +290,7 @@
           <p:cNvPr id="6" name="灯片编号占位符 5">
             <a:extLst>
               <a:ext uri="{FF2B5EF4-FFF2-40B4-BE49-F238E27FC236}">
-                <a16:creationId xmlns:a16="http://schemas.microsoft.com/office/drawing/2014/main" id="{DCC3BCF1-3A6A-D188-9689-FDB944016C3D}"/>
+                <a16:creationId xmlns:a16="http://schemas.microsoft.com/office/drawing/2014/main" id="{59027F8B-B87D-FE1E-E01E-A25E7B0483D5}"/>
               </a:ext>
             </a:extLst>
           </p:cNvPr>
@@ -306,7 +306,7 @@
           <a:bodyPr/>
           <a:lstStyle/>
           <a:p>
-            <a:fld id="{3AB76D91-53A9-46BB-876A-9B6288360D6D}" type="slidenum">
+            <a:fld id="{2F2CE50C-94F5-4369-96FE-D960D113C229}" type="slidenum">
               <a:rPr lang="zh-CN" altLang="en-US" smtClean="0"/>
               <a:t>‹#›</a:t>
             </a:fld>
@@ -317,7 +317,7 @@
     </p:spTree>
     <p:extLst>
       <p:ext uri="{BB962C8B-B14F-4D97-AF65-F5344CB8AC3E}">
-        <p14:creationId xmlns:p14="http://schemas.microsoft.com/office/powerpoint/2010/main" val="1414625139"/>
+        <p14:creationId xmlns:p14="http://schemas.microsoft.com/office/powerpoint/2010/main" val="2106546908"/>
       </p:ext>
     </p:extLst>
   </p:cSld>
@@ -349,7 +349,7 @@
           <p:cNvPr id="2" name="标题 1">
             <a:extLst>
               <a:ext uri="{FF2B5EF4-FFF2-40B4-BE49-F238E27FC236}">
-                <a16:creationId xmlns:a16="http://schemas.microsoft.com/office/drawing/2014/main" id="{ACB74B5D-B61F-A336-04B8-28BE6943B4BD}"/>
+                <a16:creationId xmlns:a16="http://schemas.microsoft.com/office/drawing/2014/main" id="{D11280C4-8BD9-C6A7-837A-CBB127CD0700}"/>
               </a:ext>
             </a:extLst>
           </p:cNvPr>
@@ -377,7 +377,7 @@
           <p:cNvPr id="3" name="竖排文字占位符 2">
             <a:extLst>
               <a:ext uri="{FF2B5EF4-FFF2-40B4-BE49-F238E27FC236}">
-                <a16:creationId xmlns:a16="http://schemas.microsoft.com/office/drawing/2014/main" id="{F05F330C-82C9-4B85-86F2-B1A4C2672199}"/>
+                <a16:creationId xmlns:a16="http://schemas.microsoft.com/office/drawing/2014/main" id="{9090E584-5DF8-4BB4-9BD9-4AFBC83D3B98}"/>
               </a:ext>
             </a:extLst>
           </p:cNvPr>
@@ -434,7 +434,7 @@
           <p:cNvPr id="4" name="日期占位符 3">
             <a:extLst>
               <a:ext uri="{FF2B5EF4-FFF2-40B4-BE49-F238E27FC236}">
-                <a16:creationId xmlns:a16="http://schemas.microsoft.com/office/drawing/2014/main" id="{AB9BF386-2E50-52B2-B90B-803A6A5FDA38}"/>
+                <a16:creationId xmlns:a16="http://schemas.microsoft.com/office/drawing/2014/main" id="{E431CCDA-86F0-09F5-6491-9D0E78DE5056}"/>
               </a:ext>
             </a:extLst>
           </p:cNvPr>
@@ -450,7 +450,7 @@
           <a:bodyPr/>
           <a:lstStyle/>
           <a:p>
-            <a:fld id="{CE2E5381-F331-4AA8-A767-F1D28473C575}" type="datetimeFigureOut">
+            <a:fld id="{81E5DD6E-2B3D-49F9-8725-0272E2E26262}" type="datetimeFigureOut">
               <a:rPr lang="zh-CN" altLang="en-US" smtClean="0"/>
               <a:t>2024/3/10</a:t>
             </a:fld>
@@ -463,7 +463,7 @@
           <p:cNvPr id="5" name="页脚占位符 4">
             <a:extLst>
               <a:ext uri="{FF2B5EF4-FFF2-40B4-BE49-F238E27FC236}">
-                <a16:creationId xmlns:a16="http://schemas.microsoft.com/office/drawing/2014/main" id="{231568F0-90C1-963A-1197-C68ED721BA9A}"/>
+                <a16:creationId xmlns:a16="http://schemas.microsoft.com/office/drawing/2014/main" id="{A4B2C09D-3BFC-7425-0F7A-0A9699E32DC1}"/>
               </a:ext>
             </a:extLst>
           </p:cNvPr>
@@ -488,7 +488,7 @@
           <p:cNvPr id="6" name="灯片编号占位符 5">
             <a:extLst>
               <a:ext uri="{FF2B5EF4-FFF2-40B4-BE49-F238E27FC236}">
-                <a16:creationId xmlns:a16="http://schemas.microsoft.com/office/drawing/2014/main" id="{ECC7A8F9-EB7F-383B-B2DE-3C7BAF207A8D}"/>
+                <a16:creationId xmlns:a16="http://schemas.microsoft.com/office/drawing/2014/main" id="{27722A58-72D1-B4C6-FBA1-BC0DECDB251F}"/>
               </a:ext>
             </a:extLst>
           </p:cNvPr>
@@ -504,7 +504,7 @@
           <a:bodyPr/>
           <a:lstStyle/>
           <a:p>
-            <a:fld id="{3AB76D91-53A9-46BB-876A-9B6288360D6D}" type="slidenum">
+            <a:fld id="{2F2CE50C-94F5-4369-96FE-D960D113C229}" type="slidenum">
               <a:rPr lang="zh-CN" altLang="en-US" smtClean="0"/>
               <a:t>‹#›</a:t>
             </a:fld>
@@ -515,7 +515,7 @@
     </p:spTree>
     <p:extLst>
       <p:ext uri="{BB962C8B-B14F-4D97-AF65-F5344CB8AC3E}">
-        <p14:creationId xmlns:p14="http://schemas.microsoft.com/office/powerpoint/2010/main" val="242884149"/>
+        <p14:creationId xmlns:p14="http://schemas.microsoft.com/office/powerpoint/2010/main" val="476187053"/>
       </p:ext>
     </p:extLst>
   </p:cSld>
@@ -547,7 +547,7 @@
           <p:cNvPr id="2" name="竖排标题 1">
             <a:extLst>
               <a:ext uri="{FF2B5EF4-FFF2-40B4-BE49-F238E27FC236}">
-                <a16:creationId xmlns:a16="http://schemas.microsoft.com/office/drawing/2014/main" id="{AB104239-1BE1-8CAF-7E0D-D475C527FD29}"/>
+                <a16:creationId xmlns:a16="http://schemas.microsoft.com/office/drawing/2014/main" id="{A29AD7F7-8EFC-1978-1E51-99AFD648D3D4}"/>
               </a:ext>
             </a:extLst>
           </p:cNvPr>
@@ -580,7 +580,7 @@
           <p:cNvPr id="3" name="竖排文字占位符 2">
             <a:extLst>
               <a:ext uri="{FF2B5EF4-FFF2-40B4-BE49-F238E27FC236}">
-                <a16:creationId xmlns:a16="http://schemas.microsoft.com/office/drawing/2014/main" id="{C109E5FB-A4A0-A9F2-F13E-1F12FBFB24DF}"/>
+                <a16:creationId xmlns:a16="http://schemas.microsoft.com/office/drawing/2014/main" id="{AB1FC26C-2579-D20F-B172-4D798464E664}"/>
               </a:ext>
             </a:extLst>
           </p:cNvPr>
@@ -642,7 +642,7 @@
           <p:cNvPr id="4" name="日期占位符 3">
             <a:extLst>
               <a:ext uri="{FF2B5EF4-FFF2-40B4-BE49-F238E27FC236}">
-                <a16:creationId xmlns:a16="http://schemas.microsoft.com/office/drawing/2014/main" id="{FA4858D0-547E-548A-F6F2-EF79EF02A690}"/>
+                <a16:creationId xmlns:a16="http://schemas.microsoft.com/office/drawing/2014/main" id="{D88E76DC-96CF-9F95-3843-6D6E59E05E6F}"/>
               </a:ext>
             </a:extLst>
           </p:cNvPr>
@@ -658,7 +658,7 @@
           <a:bodyPr/>
           <a:lstStyle/>
           <a:p>
-            <a:fld id="{CE2E5381-F331-4AA8-A767-F1D28473C575}" type="datetimeFigureOut">
+            <a:fld id="{81E5DD6E-2B3D-49F9-8725-0272E2E26262}" type="datetimeFigureOut">
               <a:rPr lang="zh-CN" altLang="en-US" smtClean="0"/>
               <a:t>2024/3/10</a:t>
             </a:fld>
@@ -671,7 +671,7 @@
           <p:cNvPr id="5" name="页脚占位符 4">
             <a:extLst>
               <a:ext uri="{FF2B5EF4-FFF2-40B4-BE49-F238E27FC236}">
-                <a16:creationId xmlns:a16="http://schemas.microsoft.com/office/drawing/2014/main" id="{87A54801-85B7-2A81-84C7-FC1E8CEB7F0B}"/>
+                <a16:creationId xmlns:a16="http://schemas.microsoft.com/office/drawing/2014/main" id="{E7B7BE12-A708-678E-04E6-2E2CADA7744C}"/>
               </a:ext>
             </a:extLst>
           </p:cNvPr>
@@ -696,7 +696,7 @@
           <p:cNvPr id="6" name="灯片编号占位符 5">
             <a:extLst>
               <a:ext uri="{FF2B5EF4-FFF2-40B4-BE49-F238E27FC236}">
-                <a16:creationId xmlns:a16="http://schemas.microsoft.com/office/drawing/2014/main" id="{E3498691-069D-B6AD-8F2A-19BDC9D93A77}"/>
+                <a16:creationId xmlns:a16="http://schemas.microsoft.com/office/drawing/2014/main" id="{B90346C9-3ECB-6388-9E9E-33ED12C64354}"/>
               </a:ext>
             </a:extLst>
           </p:cNvPr>
@@ -712,7 +712,7 @@
           <a:bodyPr/>
           <a:lstStyle/>
           <a:p>
-            <a:fld id="{3AB76D91-53A9-46BB-876A-9B6288360D6D}" type="slidenum">
+            <a:fld id="{2F2CE50C-94F5-4369-96FE-D960D113C229}" type="slidenum">
               <a:rPr lang="zh-CN" altLang="en-US" smtClean="0"/>
               <a:t>‹#›</a:t>
             </a:fld>
@@ -723,7 +723,7 @@
     </p:spTree>
     <p:extLst>
       <p:ext uri="{BB962C8B-B14F-4D97-AF65-F5344CB8AC3E}">
-        <p14:creationId xmlns:p14="http://schemas.microsoft.com/office/powerpoint/2010/main" val="3064120159"/>
+        <p14:creationId xmlns:p14="http://schemas.microsoft.com/office/powerpoint/2010/main" val="456440114"/>
       </p:ext>
     </p:extLst>
   </p:cSld>
@@ -755,7 +755,7 @@
           <p:cNvPr id="2" name="标题 1">
             <a:extLst>
               <a:ext uri="{FF2B5EF4-FFF2-40B4-BE49-F238E27FC236}">
-                <a16:creationId xmlns:a16="http://schemas.microsoft.com/office/drawing/2014/main" id="{7CE7B989-E858-BDDB-7D9C-AE65B86D3ED5}"/>
+                <a16:creationId xmlns:a16="http://schemas.microsoft.com/office/drawing/2014/main" id="{9EAC413E-375B-1CC1-F61C-BA72D56BEF26}"/>
               </a:ext>
             </a:extLst>
           </p:cNvPr>
@@ -783,7 +783,7 @@
           <p:cNvPr id="3" name="内容占位符 2">
             <a:extLst>
               <a:ext uri="{FF2B5EF4-FFF2-40B4-BE49-F238E27FC236}">
-                <a16:creationId xmlns:a16="http://schemas.microsoft.com/office/drawing/2014/main" id="{37C20D74-6FA3-A5F5-1B2F-FEC14EB8D189}"/>
+                <a16:creationId xmlns:a16="http://schemas.microsoft.com/office/drawing/2014/main" id="{96104779-F0E7-E141-AF55-666C152A3A0F}"/>
               </a:ext>
             </a:extLst>
           </p:cNvPr>
@@ -840,7 +840,7 @@
           <p:cNvPr id="4" name="日期占位符 3">
             <a:extLst>
               <a:ext uri="{FF2B5EF4-FFF2-40B4-BE49-F238E27FC236}">
-                <a16:creationId xmlns:a16="http://schemas.microsoft.com/office/drawing/2014/main" id="{67515E01-D034-84A3-D608-0F0986677E96}"/>
+                <a16:creationId xmlns:a16="http://schemas.microsoft.com/office/drawing/2014/main" id="{3FDD3675-C4DF-CB67-620B-A01284CB2F34}"/>
               </a:ext>
             </a:extLst>
           </p:cNvPr>
@@ -856,7 +856,7 @@
           <a:bodyPr/>
           <a:lstStyle/>
           <a:p>
-            <a:fld id="{CE2E5381-F331-4AA8-A767-F1D28473C575}" type="datetimeFigureOut">
+            <a:fld id="{81E5DD6E-2B3D-49F9-8725-0272E2E26262}" type="datetimeFigureOut">
               <a:rPr lang="zh-CN" altLang="en-US" smtClean="0"/>
               <a:t>2024/3/10</a:t>
             </a:fld>
@@ -869,7 +869,7 @@
           <p:cNvPr id="5" name="页脚占位符 4">
             <a:extLst>
               <a:ext uri="{FF2B5EF4-FFF2-40B4-BE49-F238E27FC236}">
-                <a16:creationId xmlns:a16="http://schemas.microsoft.com/office/drawing/2014/main" id="{2830B1B8-E14F-3315-8836-99599B5B229F}"/>
+                <a16:creationId xmlns:a16="http://schemas.microsoft.com/office/drawing/2014/main" id="{736EB857-3719-77F7-D36D-F40C5A89FCFD}"/>
               </a:ext>
             </a:extLst>
           </p:cNvPr>
@@ -894,7 +894,7 @@
           <p:cNvPr id="6" name="灯片编号占位符 5">
             <a:extLst>
               <a:ext uri="{FF2B5EF4-FFF2-40B4-BE49-F238E27FC236}">
-                <a16:creationId xmlns:a16="http://schemas.microsoft.com/office/drawing/2014/main" id="{F1F15E59-2C00-7537-D515-487150E2A5BB}"/>
+                <a16:creationId xmlns:a16="http://schemas.microsoft.com/office/drawing/2014/main" id="{9EB3F9C1-35A3-E121-5829-71471C17FCDC}"/>
               </a:ext>
             </a:extLst>
           </p:cNvPr>
@@ -910,7 +910,7 @@
           <a:bodyPr/>
           <a:lstStyle/>
           <a:p>
-            <a:fld id="{3AB76D91-53A9-46BB-876A-9B6288360D6D}" type="slidenum">
+            <a:fld id="{2F2CE50C-94F5-4369-96FE-D960D113C229}" type="slidenum">
               <a:rPr lang="zh-CN" altLang="en-US" smtClean="0"/>
               <a:t>‹#›</a:t>
             </a:fld>
@@ -921,7 +921,7 @@
     </p:spTree>
     <p:extLst>
       <p:ext uri="{BB962C8B-B14F-4D97-AF65-F5344CB8AC3E}">
-        <p14:creationId xmlns:p14="http://schemas.microsoft.com/office/powerpoint/2010/main" val="4043136192"/>
+        <p14:creationId xmlns:p14="http://schemas.microsoft.com/office/powerpoint/2010/main" val="1175475296"/>
       </p:ext>
     </p:extLst>
   </p:cSld>
@@ -953,7 +953,7 @@
           <p:cNvPr id="2" name="标题 1">
             <a:extLst>
               <a:ext uri="{FF2B5EF4-FFF2-40B4-BE49-F238E27FC236}">
-                <a16:creationId xmlns:a16="http://schemas.microsoft.com/office/drawing/2014/main" id="{9896EB11-EE55-E274-3C08-82875F2C6E3E}"/>
+                <a16:creationId xmlns:a16="http://schemas.microsoft.com/office/drawing/2014/main" id="{FF10C016-35F1-8C57-973D-305B5C07D8C6}"/>
               </a:ext>
             </a:extLst>
           </p:cNvPr>
@@ -990,7 +990,7 @@
           <p:cNvPr id="3" name="文本占位符 2">
             <a:extLst>
               <a:ext uri="{FF2B5EF4-FFF2-40B4-BE49-F238E27FC236}">
-                <a16:creationId xmlns:a16="http://schemas.microsoft.com/office/drawing/2014/main" id="{566BF658-6773-E8CD-C878-B75A8BE78548}"/>
+                <a16:creationId xmlns:a16="http://schemas.microsoft.com/office/drawing/2014/main" id="{C5ED8B18-43D2-17D7-F5FA-70CB5AC6B56F}"/>
               </a:ext>
             </a:extLst>
           </p:cNvPr>
@@ -1115,7 +1115,7 @@
           <p:cNvPr id="4" name="日期占位符 3">
             <a:extLst>
               <a:ext uri="{FF2B5EF4-FFF2-40B4-BE49-F238E27FC236}">
-                <a16:creationId xmlns:a16="http://schemas.microsoft.com/office/drawing/2014/main" id="{D1D01DCD-D09A-CBB8-0743-79BEBF0FFC82}"/>
+                <a16:creationId xmlns:a16="http://schemas.microsoft.com/office/drawing/2014/main" id="{CA741025-9118-5C22-C08D-037025A08B7B}"/>
               </a:ext>
             </a:extLst>
           </p:cNvPr>
@@ -1131,7 +1131,7 @@
           <a:bodyPr/>
           <a:lstStyle/>
           <a:p>
-            <a:fld id="{CE2E5381-F331-4AA8-A767-F1D28473C575}" type="datetimeFigureOut">
+            <a:fld id="{81E5DD6E-2B3D-49F9-8725-0272E2E26262}" type="datetimeFigureOut">
               <a:rPr lang="zh-CN" altLang="en-US" smtClean="0"/>
               <a:t>2024/3/10</a:t>
             </a:fld>
@@ -1144,7 +1144,7 @@
           <p:cNvPr id="5" name="页脚占位符 4">
             <a:extLst>
               <a:ext uri="{FF2B5EF4-FFF2-40B4-BE49-F238E27FC236}">
-                <a16:creationId xmlns:a16="http://schemas.microsoft.com/office/drawing/2014/main" id="{65958239-4694-997E-DCEE-E39ED39B5DA7}"/>
+                <a16:creationId xmlns:a16="http://schemas.microsoft.com/office/drawing/2014/main" id="{7279C043-5AFF-B744-58D2-073AC48D4C30}"/>
               </a:ext>
             </a:extLst>
           </p:cNvPr>
@@ -1169,7 +1169,7 @@
           <p:cNvPr id="6" name="灯片编号占位符 5">
             <a:extLst>
               <a:ext uri="{FF2B5EF4-FFF2-40B4-BE49-F238E27FC236}">
-                <a16:creationId xmlns:a16="http://schemas.microsoft.com/office/drawing/2014/main" id="{C9FC9A75-C38A-D4BA-AB5E-3CE350FDAA72}"/>
+                <a16:creationId xmlns:a16="http://schemas.microsoft.com/office/drawing/2014/main" id="{CAD40FA0-76ED-B5B9-B41D-15C17F6DE642}"/>
               </a:ext>
             </a:extLst>
           </p:cNvPr>
@@ -1185,7 +1185,7 @@
           <a:bodyPr/>
           <a:lstStyle/>
           <a:p>
-            <a:fld id="{3AB76D91-53A9-46BB-876A-9B6288360D6D}" type="slidenum">
+            <a:fld id="{2F2CE50C-94F5-4369-96FE-D960D113C229}" type="slidenum">
               <a:rPr lang="zh-CN" altLang="en-US" smtClean="0"/>
               <a:t>‹#›</a:t>
             </a:fld>
@@ -1196,7 +1196,7 @@
     </p:spTree>
     <p:extLst>
       <p:ext uri="{BB962C8B-B14F-4D97-AF65-F5344CB8AC3E}">
-        <p14:creationId xmlns:p14="http://schemas.microsoft.com/office/powerpoint/2010/main" val="1562969572"/>
+        <p14:creationId xmlns:p14="http://schemas.microsoft.com/office/powerpoint/2010/main" val="1120987708"/>
       </p:ext>
     </p:extLst>
   </p:cSld>
@@ -1228,7 +1228,7 @@
           <p:cNvPr id="2" name="标题 1">
             <a:extLst>
               <a:ext uri="{FF2B5EF4-FFF2-40B4-BE49-F238E27FC236}">
-                <a16:creationId xmlns:a16="http://schemas.microsoft.com/office/drawing/2014/main" id="{4715F1A5-AF46-D82A-0596-94487606E1B4}"/>
+                <a16:creationId xmlns:a16="http://schemas.microsoft.com/office/drawing/2014/main" id="{77215203-5A14-7714-4453-FAEF2050F1A7}"/>
               </a:ext>
             </a:extLst>
           </p:cNvPr>
@@ -1256,7 +1256,7 @@
           <p:cNvPr id="3" name="内容占位符 2">
             <a:extLst>
               <a:ext uri="{FF2B5EF4-FFF2-40B4-BE49-F238E27FC236}">
-                <a16:creationId xmlns:a16="http://schemas.microsoft.com/office/drawing/2014/main" id="{06FCBFFC-61AD-6015-CC9D-AD0C1BC9927B}"/>
+                <a16:creationId xmlns:a16="http://schemas.microsoft.com/office/drawing/2014/main" id="{C20094CB-BF5F-10F1-6523-51E815F727BC}"/>
               </a:ext>
             </a:extLst>
           </p:cNvPr>
@@ -1318,7 +1318,7 @@
           <p:cNvPr id="4" name="内容占位符 3">
             <a:extLst>
               <a:ext uri="{FF2B5EF4-FFF2-40B4-BE49-F238E27FC236}">
-                <a16:creationId xmlns:a16="http://schemas.microsoft.com/office/drawing/2014/main" id="{816F6ECB-D65B-ACF4-6C2A-6D7BDDBCA387}"/>
+                <a16:creationId xmlns:a16="http://schemas.microsoft.com/office/drawing/2014/main" id="{B760A5C6-6875-86AD-197D-60945E427381}"/>
               </a:ext>
             </a:extLst>
           </p:cNvPr>
@@ -1380,7 +1380,7 @@
           <p:cNvPr id="5" name="日期占位符 4">
             <a:extLst>
               <a:ext uri="{FF2B5EF4-FFF2-40B4-BE49-F238E27FC236}">
-                <a16:creationId xmlns:a16="http://schemas.microsoft.com/office/drawing/2014/main" id="{5D42F194-C8E1-22A9-60A2-E28BA325058A}"/>
+                <a16:creationId xmlns:a16="http://schemas.microsoft.com/office/drawing/2014/main" id="{C91BF233-C32E-DBAE-4BE6-79A6F946C37E}"/>
               </a:ext>
             </a:extLst>
           </p:cNvPr>
@@ -1396,7 +1396,7 @@
           <a:bodyPr/>
           <a:lstStyle/>
           <a:p>
-            <a:fld id="{CE2E5381-F331-4AA8-A767-F1D28473C575}" type="datetimeFigureOut">
+            <a:fld id="{81E5DD6E-2B3D-49F9-8725-0272E2E26262}" type="datetimeFigureOut">
               <a:rPr lang="zh-CN" altLang="en-US" smtClean="0"/>
               <a:t>2024/3/10</a:t>
             </a:fld>
@@ -1409,7 +1409,7 @@
           <p:cNvPr id="6" name="页脚占位符 5">
             <a:extLst>
               <a:ext uri="{FF2B5EF4-FFF2-40B4-BE49-F238E27FC236}">
-                <a16:creationId xmlns:a16="http://schemas.microsoft.com/office/drawing/2014/main" id="{1612ACCB-0BFE-A4FE-A50E-AED12A1E85DC}"/>
+                <a16:creationId xmlns:a16="http://schemas.microsoft.com/office/drawing/2014/main" id="{5D5D0915-ED5F-7429-E041-E5A872EE6005}"/>
               </a:ext>
             </a:extLst>
           </p:cNvPr>
@@ -1434,7 +1434,7 @@
           <p:cNvPr id="7" name="灯片编号占位符 6">
             <a:extLst>
               <a:ext uri="{FF2B5EF4-FFF2-40B4-BE49-F238E27FC236}">
-                <a16:creationId xmlns:a16="http://schemas.microsoft.com/office/drawing/2014/main" id="{4010E422-3985-579A-C591-83A9A3ACB899}"/>
+                <a16:creationId xmlns:a16="http://schemas.microsoft.com/office/drawing/2014/main" id="{35CAF333-3126-A534-44DA-403B5F7DDF13}"/>
               </a:ext>
             </a:extLst>
           </p:cNvPr>
@@ -1450,7 +1450,7 @@
           <a:bodyPr/>
           <a:lstStyle/>
           <a:p>
-            <a:fld id="{3AB76D91-53A9-46BB-876A-9B6288360D6D}" type="slidenum">
+            <a:fld id="{2F2CE50C-94F5-4369-96FE-D960D113C229}" type="slidenum">
               <a:rPr lang="zh-CN" altLang="en-US" smtClean="0"/>
               <a:t>‹#›</a:t>
             </a:fld>
@@ -1461,7 +1461,7 @@
     </p:spTree>
     <p:extLst>
       <p:ext uri="{BB962C8B-B14F-4D97-AF65-F5344CB8AC3E}">
-        <p14:creationId xmlns:p14="http://schemas.microsoft.com/office/powerpoint/2010/main" val="1796122738"/>
+        <p14:creationId xmlns:p14="http://schemas.microsoft.com/office/powerpoint/2010/main" val="121770684"/>
       </p:ext>
     </p:extLst>
   </p:cSld>
@@ -1493,7 +1493,7 @@
           <p:cNvPr id="2" name="标题 1">
             <a:extLst>
               <a:ext uri="{FF2B5EF4-FFF2-40B4-BE49-F238E27FC236}">
-                <a16:creationId xmlns:a16="http://schemas.microsoft.com/office/drawing/2014/main" id="{81BBF2DF-3C1D-9A79-C420-2711085202FD}"/>
+                <a16:creationId xmlns:a16="http://schemas.microsoft.com/office/drawing/2014/main" id="{2B6701E4-B1EA-CB34-8DC9-40B9902AD87E}"/>
               </a:ext>
             </a:extLst>
           </p:cNvPr>
@@ -1526,7 +1526,7 @@
           <p:cNvPr id="3" name="文本占位符 2">
             <a:extLst>
               <a:ext uri="{FF2B5EF4-FFF2-40B4-BE49-F238E27FC236}">
-                <a16:creationId xmlns:a16="http://schemas.microsoft.com/office/drawing/2014/main" id="{D03B33B5-8BD1-7920-DF03-5674D23C0786}"/>
+                <a16:creationId xmlns:a16="http://schemas.microsoft.com/office/drawing/2014/main" id="{224E0C9D-E1DA-E969-5169-0E88CBE660C6}"/>
               </a:ext>
             </a:extLst>
           </p:cNvPr>
@@ -1597,7 +1597,7 @@
           <p:cNvPr id="4" name="内容占位符 3">
             <a:extLst>
               <a:ext uri="{FF2B5EF4-FFF2-40B4-BE49-F238E27FC236}">
-                <a16:creationId xmlns:a16="http://schemas.microsoft.com/office/drawing/2014/main" id="{3AEA7763-5976-CB22-2115-08805FF54102}"/>
+                <a16:creationId xmlns:a16="http://schemas.microsoft.com/office/drawing/2014/main" id="{F2BF36B2-900B-3EA0-D03C-06BE68AE105A}"/>
               </a:ext>
             </a:extLst>
           </p:cNvPr>
@@ -1659,7 +1659,7 @@
           <p:cNvPr id="5" name="文本占位符 4">
             <a:extLst>
               <a:ext uri="{FF2B5EF4-FFF2-40B4-BE49-F238E27FC236}">
-                <a16:creationId xmlns:a16="http://schemas.microsoft.com/office/drawing/2014/main" id="{F0A61E6B-01E6-9809-7B2E-00E31E820B77}"/>
+                <a16:creationId xmlns:a16="http://schemas.microsoft.com/office/drawing/2014/main" id="{49A824EC-FE7F-FA93-BB2A-E62903A394CC}"/>
               </a:ext>
             </a:extLst>
           </p:cNvPr>
@@ -1730,7 +1730,7 @@
           <p:cNvPr id="6" name="内容占位符 5">
             <a:extLst>
               <a:ext uri="{FF2B5EF4-FFF2-40B4-BE49-F238E27FC236}">
-                <a16:creationId xmlns:a16="http://schemas.microsoft.com/office/drawing/2014/main" id="{BF35A9D3-9A4F-D999-2E2F-E7272245366C}"/>
+                <a16:creationId xmlns:a16="http://schemas.microsoft.com/office/drawing/2014/main" id="{FE5D1BAE-2239-2C4C-8A5B-E8F4D6FFDA48}"/>
               </a:ext>
             </a:extLst>
           </p:cNvPr>
@@ -1792,7 +1792,7 @@
           <p:cNvPr id="7" name="日期占位符 6">
             <a:extLst>
               <a:ext uri="{FF2B5EF4-FFF2-40B4-BE49-F238E27FC236}">
-                <a16:creationId xmlns:a16="http://schemas.microsoft.com/office/drawing/2014/main" id="{E93A4A9F-2543-A04C-A959-B0DF63B66F60}"/>
+                <a16:creationId xmlns:a16="http://schemas.microsoft.com/office/drawing/2014/main" id="{AB806355-AC68-431A-3138-2E6104FA654D}"/>
               </a:ext>
             </a:extLst>
           </p:cNvPr>
@@ -1808,7 +1808,7 @@
           <a:bodyPr/>
           <a:lstStyle/>
           <a:p>
-            <a:fld id="{CE2E5381-F331-4AA8-A767-F1D28473C575}" type="datetimeFigureOut">
+            <a:fld id="{81E5DD6E-2B3D-49F9-8725-0272E2E26262}" type="datetimeFigureOut">
               <a:rPr lang="zh-CN" altLang="en-US" smtClean="0"/>
               <a:t>2024/3/10</a:t>
             </a:fld>
@@ -1821,7 +1821,7 @@
           <p:cNvPr id="8" name="页脚占位符 7">
             <a:extLst>
               <a:ext uri="{FF2B5EF4-FFF2-40B4-BE49-F238E27FC236}">
-                <a16:creationId xmlns:a16="http://schemas.microsoft.com/office/drawing/2014/main" id="{3D23D96E-711A-A33D-0AD5-9C36A8DF096C}"/>
+                <a16:creationId xmlns:a16="http://schemas.microsoft.com/office/drawing/2014/main" id="{BC27E923-9093-0664-DD71-74EC8DA44127}"/>
               </a:ext>
             </a:extLst>
           </p:cNvPr>
@@ -1846,7 +1846,7 @@
           <p:cNvPr id="9" name="灯片编号占位符 8">
             <a:extLst>
               <a:ext uri="{FF2B5EF4-FFF2-40B4-BE49-F238E27FC236}">
-                <a16:creationId xmlns:a16="http://schemas.microsoft.com/office/drawing/2014/main" id="{A346E482-AD9A-F225-044A-C9807AA1DD0A}"/>
+                <a16:creationId xmlns:a16="http://schemas.microsoft.com/office/drawing/2014/main" id="{4D119CBD-8EA1-E0CA-6A35-9D6CB49F7128}"/>
               </a:ext>
             </a:extLst>
           </p:cNvPr>
@@ -1862,7 +1862,7 @@
           <a:bodyPr/>
           <a:lstStyle/>
           <a:p>
-            <a:fld id="{3AB76D91-53A9-46BB-876A-9B6288360D6D}" type="slidenum">
+            <a:fld id="{2F2CE50C-94F5-4369-96FE-D960D113C229}" type="slidenum">
               <a:rPr lang="zh-CN" altLang="en-US" smtClean="0"/>
               <a:t>‹#›</a:t>
             </a:fld>
@@ -1873,7 +1873,7 @@
     </p:spTree>
     <p:extLst>
       <p:ext uri="{BB962C8B-B14F-4D97-AF65-F5344CB8AC3E}">
-        <p14:creationId xmlns:p14="http://schemas.microsoft.com/office/powerpoint/2010/main" val="878063111"/>
+        <p14:creationId xmlns:p14="http://schemas.microsoft.com/office/powerpoint/2010/main" val="3951222372"/>
       </p:ext>
     </p:extLst>
   </p:cSld>
@@ -1905,7 +1905,7 @@
           <p:cNvPr id="2" name="标题 1">
             <a:extLst>
               <a:ext uri="{FF2B5EF4-FFF2-40B4-BE49-F238E27FC236}">
-                <a16:creationId xmlns:a16="http://schemas.microsoft.com/office/drawing/2014/main" id="{1C0C98DB-0067-6AB2-7B05-11339D4CD7D8}"/>
+                <a16:creationId xmlns:a16="http://schemas.microsoft.com/office/drawing/2014/main" id="{4D083B1F-A046-C730-702F-A4A1996AE74D}"/>
               </a:ext>
             </a:extLst>
           </p:cNvPr>
@@ -1933,7 +1933,7 @@
           <p:cNvPr id="3" name="日期占位符 2">
             <a:extLst>
               <a:ext uri="{FF2B5EF4-FFF2-40B4-BE49-F238E27FC236}">
-                <a16:creationId xmlns:a16="http://schemas.microsoft.com/office/drawing/2014/main" id="{8664F1EA-D6E8-5D5B-AED4-D4BCE421A930}"/>
+                <a16:creationId xmlns:a16="http://schemas.microsoft.com/office/drawing/2014/main" id="{7499E703-4423-5C51-DB2F-8104C374C7F6}"/>
               </a:ext>
             </a:extLst>
           </p:cNvPr>
@@ -1949,7 +1949,7 @@
           <a:bodyPr/>
           <a:lstStyle/>
           <a:p>
-            <a:fld id="{CE2E5381-F331-4AA8-A767-F1D28473C575}" type="datetimeFigureOut">
+            <a:fld id="{81E5DD6E-2B3D-49F9-8725-0272E2E26262}" type="datetimeFigureOut">
               <a:rPr lang="zh-CN" altLang="en-US" smtClean="0"/>
               <a:t>2024/3/10</a:t>
             </a:fld>
@@ -1962,7 +1962,7 @@
           <p:cNvPr id="4" name="页脚占位符 3">
             <a:extLst>
               <a:ext uri="{FF2B5EF4-FFF2-40B4-BE49-F238E27FC236}">
-                <a16:creationId xmlns:a16="http://schemas.microsoft.com/office/drawing/2014/main" id="{5BC12C7C-FAA0-FC0F-ABD6-B9981E8BCC57}"/>
+                <a16:creationId xmlns:a16="http://schemas.microsoft.com/office/drawing/2014/main" id="{FD73AE14-7B77-C812-EB67-F0BBE1DE1A57}"/>
               </a:ext>
             </a:extLst>
           </p:cNvPr>
@@ -1987,7 +1987,7 @@
           <p:cNvPr id="5" name="灯片编号占位符 4">
             <a:extLst>
               <a:ext uri="{FF2B5EF4-FFF2-40B4-BE49-F238E27FC236}">
-                <a16:creationId xmlns:a16="http://schemas.microsoft.com/office/drawing/2014/main" id="{AC374B6F-752F-4FEA-69BD-8DE1485A54C7}"/>
+                <a16:creationId xmlns:a16="http://schemas.microsoft.com/office/drawing/2014/main" id="{C5491FD7-7025-9606-C6D6-BB62AD897992}"/>
               </a:ext>
             </a:extLst>
           </p:cNvPr>
@@ -2003,7 +2003,7 @@
           <a:bodyPr/>
           <a:lstStyle/>
           <a:p>
-            <a:fld id="{3AB76D91-53A9-46BB-876A-9B6288360D6D}" type="slidenum">
+            <a:fld id="{2F2CE50C-94F5-4369-96FE-D960D113C229}" type="slidenum">
               <a:rPr lang="zh-CN" altLang="en-US" smtClean="0"/>
               <a:t>‹#›</a:t>
             </a:fld>
@@ -2014,7 +2014,7 @@
     </p:spTree>
     <p:extLst>
       <p:ext uri="{BB962C8B-B14F-4D97-AF65-F5344CB8AC3E}">
-        <p14:creationId xmlns:p14="http://schemas.microsoft.com/office/powerpoint/2010/main" val="344638505"/>
+        <p14:creationId xmlns:p14="http://schemas.microsoft.com/office/powerpoint/2010/main" val="75176815"/>
       </p:ext>
     </p:extLst>
   </p:cSld>
@@ -2046,7 +2046,7 @@
           <p:cNvPr id="2" name="日期占位符 1">
             <a:extLst>
               <a:ext uri="{FF2B5EF4-FFF2-40B4-BE49-F238E27FC236}">
-                <a16:creationId xmlns:a16="http://schemas.microsoft.com/office/drawing/2014/main" id="{44C02E03-81A5-E49E-D7D7-CFEC2936E666}"/>
+                <a16:creationId xmlns:a16="http://schemas.microsoft.com/office/drawing/2014/main" id="{9579873A-65BC-C2F3-036F-7FEBC2F0243C}"/>
               </a:ext>
             </a:extLst>
           </p:cNvPr>
@@ -2062,7 +2062,7 @@
           <a:bodyPr/>
           <a:lstStyle/>
           <a:p>
-            <a:fld id="{CE2E5381-F331-4AA8-A767-F1D28473C575}" type="datetimeFigureOut">
+            <a:fld id="{81E5DD6E-2B3D-49F9-8725-0272E2E26262}" type="datetimeFigureOut">
               <a:rPr lang="zh-CN" altLang="en-US" smtClean="0"/>
               <a:t>2024/3/10</a:t>
             </a:fld>
@@ -2075,7 +2075,7 @@
           <p:cNvPr id="3" name="页脚占位符 2">
             <a:extLst>
               <a:ext uri="{FF2B5EF4-FFF2-40B4-BE49-F238E27FC236}">
-                <a16:creationId xmlns:a16="http://schemas.microsoft.com/office/drawing/2014/main" id="{DADE507E-45BE-C0C2-B027-C40793AF6AE8}"/>
+                <a16:creationId xmlns:a16="http://schemas.microsoft.com/office/drawing/2014/main" id="{DFFFDFD0-DA66-AA1D-9F7B-94333E370F42}"/>
               </a:ext>
             </a:extLst>
           </p:cNvPr>
@@ -2100,7 +2100,7 @@
           <p:cNvPr id="4" name="灯片编号占位符 3">
             <a:extLst>
               <a:ext uri="{FF2B5EF4-FFF2-40B4-BE49-F238E27FC236}">
-                <a16:creationId xmlns:a16="http://schemas.microsoft.com/office/drawing/2014/main" id="{BC595736-E9AB-43E3-B9F1-55C6D6E40C70}"/>
+                <a16:creationId xmlns:a16="http://schemas.microsoft.com/office/drawing/2014/main" id="{2556F0AA-3A77-75D2-8FBA-0C92EC7CF7D1}"/>
               </a:ext>
             </a:extLst>
           </p:cNvPr>
@@ -2116,7 +2116,7 @@
           <a:bodyPr/>
           <a:lstStyle/>
           <a:p>
-            <a:fld id="{3AB76D91-53A9-46BB-876A-9B6288360D6D}" type="slidenum">
+            <a:fld id="{2F2CE50C-94F5-4369-96FE-D960D113C229}" type="slidenum">
               <a:rPr lang="zh-CN" altLang="en-US" smtClean="0"/>
               <a:t>‹#›</a:t>
             </a:fld>
@@ -2127,7 +2127,7 @@
     </p:spTree>
     <p:extLst>
       <p:ext uri="{BB962C8B-B14F-4D97-AF65-F5344CB8AC3E}">
-        <p14:creationId xmlns:p14="http://schemas.microsoft.com/office/powerpoint/2010/main" val="138359753"/>
+        <p14:creationId xmlns:p14="http://schemas.microsoft.com/office/powerpoint/2010/main" val="2121033542"/>
       </p:ext>
     </p:extLst>
   </p:cSld>
@@ -2159,7 +2159,7 @@
           <p:cNvPr id="2" name="标题 1">
             <a:extLst>
               <a:ext uri="{FF2B5EF4-FFF2-40B4-BE49-F238E27FC236}">
-                <a16:creationId xmlns:a16="http://schemas.microsoft.com/office/drawing/2014/main" id="{10A0F0D1-961E-431A-CC5F-463C4F55BCF6}"/>
+                <a16:creationId xmlns:a16="http://schemas.microsoft.com/office/drawing/2014/main" id="{CB04D90F-8B8A-1C0C-FB5D-42229AB0C929}"/>
               </a:ext>
             </a:extLst>
           </p:cNvPr>
@@ -2196,7 +2196,7 @@
           <p:cNvPr id="3" name="内容占位符 2">
             <a:extLst>
               <a:ext uri="{FF2B5EF4-FFF2-40B4-BE49-F238E27FC236}">
-                <a16:creationId xmlns:a16="http://schemas.microsoft.com/office/drawing/2014/main" id="{06949C40-0E0C-9C3D-929F-C041F93129F7}"/>
+                <a16:creationId xmlns:a16="http://schemas.microsoft.com/office/drawing/2014/main" id="{5E616551-7B19-E4BF-053D-B4B64326A164}"/>
               </a:ext>
             </a:extLst>
           </p:cNvPr>
@@ -2286,7 +2286,7 @@
           <p:cNvPr id="4" name="文本占位符 3">
             <a:extLst>
               <a:ext uri="{FF2B5EF4-FFF2-40B4-BE49-F238E27FC236}">
-                <a16:creationId xmlns:a16="http://schemas.microsoft.com/office/drawing/2014/main" id="{479C3AB7-A8A9-9F4C-7F06-79756AD0F852}"/>
+                <a16:creationId xmlns:a16="http://schemas.microsoft.com/office/drawing/2014/main" id="{CC0E84E9-FE49-B26E-B487-5BF323A3F753}"/>
               </a:ext>
             </a:extLst>
           </p:cNvPr>
@@ -2357,7 +2357,7 @@
           <p:cNvPr id="5" name="日期占位符 4">
             <a:extLst>
               <a:ext uri="{FF2B5EF4-FFF2-40B4-BE49-F238E27FC236}">
-                <a16:creationId xmlns:a16="http://schemas.microsoft.com/office/drawing/2014/main" id="{8D3CC6C3-BE21-F7C6-03A7-C32981227A40}"/>
+                <a16:creationId xmlns:a16="http://schemas.microsoft.com/office/drawing/2014/main" id="{2BECF483-BF4A-BED1-9A12-007634C3E1BD}"/>
               </a:ext>
             </a:extLst>
           </p:cNvPr>
@@ -2373,7 +2373,7 @@
           <a:bodyPr/>
           <a:lstStyle/>
           <a:p>
-            <a:fld id="{CE2E5381-F331-4AA8-A767-F1D28473C575}" type="datetimeFigureOut">
+            <a:fld id="{81E5DD6E-2B3D-49F9-8725-0272E2E26262}" type="datetimeFigureOut">
               <a:rPr lang="zh-CN" altLang="en-US" smtClean="0"/>
               <a:t>2024/3/10</a:t>
             </a:fld>
@@ -2386,7 +2386,7 @@
           <p:cNvPr id="6" name="页脚占位符 5">
             <a:extLst>
               <a:ext uri="{FF2B5EF4-FFF2-40B4-BE49-F238E27FC236}">
-                <a16:creationId xmlns:a16="http://schemas.microsoft.com/office/drawing/2014/main" id="{797DC738-0B8A-04FB-10B9-505293139F64}"/>
+                <a16:creationId xmlns:a16="http://schemas.microsoft.com/office/drawing/2014/main" id="{EFB757C6-6916-7D9B-A20D-A447712FC4EA}"/>
               </a:ext>
             </a:extLst>
           </p:cNvPr>
@@ -2411,7 +2411,7 @@
           <p:cNvPr id="7" name="灯片编号占位符 6">
             <a:extLst>
               <a:ext uri="{FF2B5EF4-FFF2-40B4-BE49-F238E27FC236}">
-                <a16:creationId xmlns:a16="http://schemas.microsoft.com/office/drawing/2014/main" id="{1E7C724C-9915-20B7-0D7A-B27668DA96CA}"/>
+                <a16:creationId xmlns:a16="http://schemas.microsoft.com/office/drawing/2014/main" id="{551846CC-19F9-B133-742F-8A458C178B00}"/>
               </a:ext>
             </a:extLst>
           </p:cNvPr>
@@ -2427,7 +2427,7 @@
           <a:bodyPr/>
           <a:lstStyle/>
           <a:p>
-            <a:fld id="{3AB76D91-53A9-46BB-876A-9B6288360D6D}" type="slidenum">
+            <a:fld id="{2F2CE50C-94F5-4369-96FE-D960D113C229}" type="slidenum">
               <a:rPr lang="zh-CN" altLang="en-US" smtClean="0"/>
               <a:t>‹#›</a:t>
             </a:fld>
@@ -2438,7 +2438,7 @@
     </p:spTree>
     <p:extLst>
       <p:ext uri="{BB962C8B-B14F-4D97-AF65-F5344CB8AC3E}">
-        <p14:creationId xmlns:p14="http://schemas.microsoft.com/office/powerpoint/2010/main" val="776211027"/>
+        <p14:creationId xmlns:p14="http://schemas.microsoft.com/office/powerpoint/2010/main" val="537548161"/>
       </p:ext>
     </p:extLst>
   </p:cSld>
@@ -2470,7 +2470,7 @@
           <p:cNvPr id="2" name="标题 1">
             <a:extLst>
               <a:ext uri="{FF2B5EF4-FFF2-40B4-BE49-F238E27FC236}">
-                <a16:creationId xmlns:a16="http://schemas.microsoft.com/office/drawing/2014/main" id="{0B221F6E-BB6B-24C1-6FFA-A7C20D9ABBDC}"/>
+                <a16:creationId xmlns:a16="http://schemas.microsoft.com/office/drawing/2014/main" id="{2F00A167-A999-A035-973C-152D0A794582}"/>
               </a:ext>
             </a:extLst>
           </p:cNvPr>
@@ -2507,7 +2507,7 @@
           <p:cNvPr id="3" name="图片占位符 2">
             <a:extLst>
               <a:ext uri="{FF2B5EF4-FFF2-40B4-BE49-F238E27FC236}">
-                <a16:creationId xmlns:a16="http://schemas.microsoft.com/office/drawing/2014/main" id="{DB165D96-DAA3-6AF6-19BA-CB9C2E005407}"/>
+                <a16:creationId xmlns:a16="http://schemas.microsoft.com/office/drawing/2014/main" id="{987BF23E-E98E-70A5-ED3A-EBEC13699B37}"/>
               </a:ext>
             </a:extLst>
           </p:cNvPr>
@@ -2574,7 +2574,7 @@
           <p:cNvPr id="4" name="文本占位符 3">
             <a:extLst>
               <a:ext uri="{FF2B5EF4-FFF2-40B4-BE49-F238E27FC236}">
-                <a16:creationId xmlns:a16="http://schemas.microsoft.com/office/drawing/2014/main" id="{3342EA17-328D-1140-CE8F-072D8E42A449}"/>
+                <a16:creationId xmlns:a16="http://schemas.microsoft.com/office/drawing/2014/main" id="{27477BA3-E998-9448-8B03-A078927072D9}"/>
               </a:ext>
             </a:extLst>
           </p:cNvPr>
@@ -2645,7 +2645,7 @@
           <p:cNvPr id="5" name="日期占位符 4">
             <a:extLst>
               <a:ext uri="{FF2B5EF4-FFF2-40B4-BE49-F238E27FC236}">
-                <a16:creationId xmlns:a16="http://schemas.microsoft.com/office/drawing/2014/main" id="{774F93F6-60E9-B84E-808B-004DA2DFDC9E}"/>
+                <a16:creationId xmlns:a16="http://schemas.microsoft.com/office/drawing/2014/main" id="{CEC3EF60-3681-DE26-8F5D-3783CDD799F6}"/>
               </a:ext>
             </a:extLst>
           </p:cNvPr>
@@ -2661,7 +2661,7 @@
           <a:bodyPr/>
           <a:lstStyle/>
           <a:p>
-            <a:fld id="{CE2E5381-F331-4AA8-A767-F1D28473C575}" type="datetimeFigureOut">
+            <a:fld id="{81E5DD6E-2B3D-49F9-8725-0272E2E26262}" type="datetimeFigureOut">
               <a:rPr lang="zh-CN" altLang="en-US" smtClean="0"/>
               <a:t>2024/3/10</a:t>
             </a:fld>
@@ -2674,7 +2674,7 @@
           <p:cNvPr id="6" name="页脚占位符 5">
             <a:extLst>
               <a:ext uri="{FF2B5EF4-FFF2-40B4-BE49-F238E27FC236}">
-                <a16:creationId xmlns:a16="http://schemas.microsoft.com/office/drawing/2014/main" id="{B7B89741-8CD3-43BC-DBDE-ACBDB575CA38}"/>
+                <a16:creationId xmlns:a16="http://schemas.microsoft.com/office/drawing/2014/main" id="{1479568E-1CB6-54C9-9B7B-A3717568ADE9}"/>
               </a:ext>
             </a:extLst>
           </p:cNvPr>
@@ -2699,7 +2699,7 @@
           <p:cNvPr id="7" name="灯片编号占位符 6">
             <a:extLst>
               <a:ext uri="{FF2B5EF4-FFF2-40B4-BE49-F238E27FC236}">
-                <a16:creationId xmlns:a16="http://schemas.microsoft.com/office/drawing/2014/main" id="{60E0C4A5-BEAD-BE86-DC3A-A8AF2A924C42}"/>
+                <a16:creationId xmlns:a16="http://schemas.microsoft.com/office/drawing/2014/main" id="{AEB1ACD1-3700-9EF9-19D0-390DDF906B81}"/>
               </a:ext>
             </a:extLst>
           </p:cNvPr>
@@ -2715,7 +2715,7 @@
           <a:bodyPr/>
           <a:lstStyle/>
           <a:p>
-            <a:fld id="{3AB76D91-53A9-46BB-876A-9B6288360D6D}" type="slidenum">
+            <a:fld id="{2F2CE50C-94F5-4369-96FE-D960D113C229}" type="slidenum">
               <a:rPr lang="zh-CN" altLang="en-US" smtClean="0"/>
               <a:t>‹#›</a:t>
             </a:fld>
@@ -2726,7 +2726,7 @@
     </p:spTree>
     <p:extLst>
       <p:ext uri="{BB962C8B-B14F-4D97-AF65-F5344CB8AC3E}">
-        <p14:creationId xmlns:p14="http://schemas.microsoft.com/office/powerpoint/2010/main" val="1542645697"/>
+        <p14:creationId xmlns:p14="http://schemas.microsoft.com/office/powerpoint/2010/main" val="1981268571"/>
       </p:ext>
     </p:extLst>
   </p:cSld>
@@ -2763,7 +2763,7 @@
           <p:cNvPr id="2" name="标题占位符 1">
             <a:extLst>
               <a:ext uri="{FF2B5EF4-FFF2-40B4-BE49-F238E27FC236}">
-                <a16:creationId xmlns:a16="http://schemas.microsoft.com/office/drawing/2014/main" id="{08A70610-1DB2-B5C3-D459-3908E50E6A75}"/>
+                <a16:creationId xmlns:a16="http://schemas.microsoft.com/office/drawing/2014/main" id="{BDB00E8A-46AF-90A6-B5F8-609E2BEAE515}"/>
               </a:ext>
             </a:extLst>
           </p:cNvPr>
@@ -2801,7 +2801,7 @@
           <p:cNvPr id="3" name="文本占位符 2">
             <a:extLst>
               <a:ext uri="{FF2B5EF4-FFF2-40B4-BE49-F238E27FC236}">
-                <a16:creationId xmlns:a16="http://schemas.microsoft.com/office/drawing/2014/main" id="{66CCBEB5-E418-47BA-4960-48440F37B24F}"/>
+                <a16:creationId xmlns:a16="http://schemas.microsoft.com/office/drawing/2014/main" id="{14D0E9F1-24AF-1403-D681-05C2C63DA40A}"/>
               </a:ext>
             </a:extLst>
           </p:cNvPr>
@@ -2868,7 +2868,7 @@
           <p:cNvPr id="4" name="日期占位符 3">
             <a:extLst>
               <a:ext uri="{FF2B5EF4-FFF2-40B4-BE49-F238E27FC236}">
-                <a16:creationId xmlns:a16="http://schemas.microsoft.com/office/drawing/2014/main" id="{0EB664E6-E4A6-3B92-4762-6CEB0FC263FC}"/>
+                <a16:creationId xmlns:a16="http://schemas.microsoft.com/office/drawing/2014/main" id="{DBAB3B25-072B-E4AD-ED12-D34CB309B370}"/>
               </a:ext>
             </a:extLst>
           </p:cNvPr>
@@ -2902,7 +2902,7 @@
             </a:lvl1pPr>
           </a:lstStyle>
           <a:p>
-            <a:fld id="{CE2E5381-F331-4AA8-A767-F1D28473C575}" type="datetimeFigureOut">
+            <a:fld id="{81E5DD6E-2B3D-49F9-8725-0272E2E26262}" type="datetimeFigureOut">
               <a:rPr lang="zh-CN" altLang="en-US" smtClean="0"/>
               <a:t>2024/3/10</a:t>
             </a:fld>
@@ -2915,7 +2915,7 @@
           <p:cNvPr id="5" name="页脚占位符 4">
             <a:extLst>
               <a:ext uri="{FF2B5EF4-FFF2-40B4-BE49-F238E27FC236}">
-                <a16:creationId xmlns:a16="http://schemas.microsoft.com/office/drawing/2014/main" id="{12F0D334-12A9-E72F-6BAE-F804A3610B88}"/>
+                <a16:creationId xmlns:a16="http://schemas.microsoft.com/office/drawing/2014/main" id="{D10D1953-880E-DA4F-E809-30F0F980E378}"/>
               </a:ext>
             </a:extLst>
           </p:cNvPr>
@@ -2958,7 +2958,7 @@
           <p:cNvPr id="6" name="灯片编号占位符 5">
             <a:extLst>
               <a:ext uri="{FF2B5EF4-FFF2-40B4-BE49-F238E27FC236}">
-                <a16:creationId xmlns:a16="http://schemas.microsoft.com/office/drawing/2014/main" id="{52F15C1F-FE68-3C80-140C-71ABB1ADCA5B}"/>
+                <a16:creationId xmlns:a16="http://schemas.microsoft.com/office/drawing/2014/main" id="{5C9494CC-D77C-65E3-320A-50E88E477A93}"/>
               </a:ext>
             </a:extLst>
           </p:cNvPr>
@@ -2992,7 +2992,7 @@
             </a:lvl1pPr>
           </a:lstStyle>
           <a:p>
-            <a:fld id="{3AB76D91-53A9-46BB-876A-9B6288360D6D}" type="slidenum">
+            <a:fld id="{2F2CE50C-94F5-4369-96FE-D960D113C229}" type="slidenum">
               <a:rPr lang="zh-CN" altLang="en-US" smtClean="0"/>
               <a:t>‹#›</a:t>
             </a:fld>
@@ -3003,7 +3003,7 @@
     </p:spTree>
     <p:extLst>
       <p:ext uri="{BB962C8B-B14F-4D97-AF65-F5344CB8AC3E}">
-        <p14:creationId xmlns:p14="http://schemas.microsoft.com/office/powerpoint/2010/main" val="889037025"/>
+        <p14:creationId xmlns:p14="http://schemas.microsoft.com/office/powerpoint/2010/main" val="3910245084"/>
       </p:ext>
     </p:extLst>
   </p:cSld>
